--- a/ppt 16-9/1331.你当默默无声.pptx
+++ b/ppt 16-9/1331.你当默默无声.pptx
@@ -129,7 +129,7 @@
           <p:cNvPr id="2" name="标题 1">
             <a:extLst>
               <a:ext uri="{FF2B5EF4-FFF2-40B4-BE49-F238E27FC236}">
-                <a16:creationId xmlns:a16="http://schemas.microsoft.com/office/drawing/2014/main" id="{18F35DAC-3786-BF72-6B9A-A484B431E10B}"/>
+                <a16:creationId xmlns:a16="http://schemas.microsoft.com/office/drawing/2014/main" id="{1A8268F2-9E79-5B35-928F-FC154C70A6E2}"/>
               </a:ext>
             </a:extLst>
           </p:cNvPr>
@@ -166,7 +166,7 @@
           <p:cNvPr id="3" name="副标题 2">
             <a:extLst>
               <a:ext uri="{FF2B5EF4-FFF2-40B4-BE49-F238E27FC236}">
-                <a16:creationId xmlns:a16="http://schemas.microsoft.com/office/drawing/2014/main" id="{640F6187-F104-C390-6E12-719146829EBF}"/>
+                <a16:creationId xmlns:a16="http://schemas.microsoft.com/office/drawing/2014/main" id="{E859DA3D-608C-CCDA-1295-62FAFF4CB57D}"/>
               </a:ext>
             </a:extLst>
           </p:cNvPr>
@@ -236,7 +236,7 @@
           <p:cNvPr id="4" name="日期占位符 3">
             <a:extLst>
               <a:ext uri="{FF2B5EF4-FFF2-40B4-BE49-F238E27FC236}">
-                <a16:creationId xmlns:a16="http://schemas.microsoft.com/office/drawing/2014/main" id="{03C2D824-0919-3ECE-BF7A-19FE8BF983D1}"/>
+                <a16:creationId xmlns:a16="http://schemas.microsoft.com/office/drawing/2014/main" id="{8A45AE65-249D-9C2F-DE1E-E5875BA7B6EB}"/>
               </a:ext>
             </a:extLst>
           </p:cNvPr>
@@ -252,7 +252,7 @@
           <a:bodyPr/>
           <a:lstStyle/>
           <a:p>
-            <a:fld id="{E1687A15-FAD6-4391-BC63-9C557E42DF72}" type="datetimeFigureOut">
+            <a:fld id="{518353F8-2029-4A69-B7ED-BC990035C3EC}" type="datetimeFigureOut">
               <a:rPr lang="zh-CN" altLang="en-US" smtClean="0"/>
               <a:t>2024/3/10</a:t>
             </a:fld>
@@ -265,7 +265,7 @@
           <p:cNvPr id="5" name="页脚占位符 4">
             <a:extLst>
               <a:ext uri="{FF2B5EF4-FFF2-40B4-BE49-F238E27FC236}">
-                <a16:creationId xmlns:a16="http://schemas.microsoft.com/office/drawing/2014/main" id="{4636827D-42A4-41B6-EF86-F988DDD6FE4F}"/>
+                <a16:creationId xmlns:a16="http://schemas.microsoft.com/office/drawing/2014/main" id="{3E7FA11C-33F3-8FC9-521F-178F2DD7368B}"/>
               </a:ext>
             </a:extLst>
           </p:cNvPr>
@@ -290,7 +290,7 @@
           <p:cNvPr id="6" name="灯片编号占位符 5">
             <a:extLst>
               <a:ext uri="{FF2B5EF4-FFF2-40B4-BE49-F238E27FC236}">
-                <a16:creationId xmlns:a16="http://schemas.microsoft.com/office/drawing/2014/main" id="{18F0E9DF-0681-BF8C-C9A1-E34A2088491E}"/>
+                <a16:creationId xmlns:a16="http://schemas.microsoft.com/office/drawing/2014/main" id="{705D402A-0E03-B68D-6C28-950B23111563}"/>
               </a:ext>
             </a:extLst>
           </p:cNvPr>
@@ -306,7 +306,7 @@
           <a:bodyPr/>
           <a:lstStyle/>
           <a:p>
-            <a:fld id="{1BA7A8BC-3BE5-4732-B0AC-E96D7144C3DB}" type="slidenum">
+            <a:fld id="{B19BD12B-9DC3-4A11-95E0-6DB84A519273}" type="slidenum">
               <a:rPr lang="zh-CN" altLang="en-US" smtClean="0"/>
               <a:t>‹#›</a:t>
             </a:fld>
@@ -317,7 +317,7 @@
     </p:spTree>
     <p:extLst>
       <p:ext uri="{BB962C8B-B14F-4D97-AF65-F5344CB8AC3E}">
-        <p14:creationId xmlns:p14="http://schemas.microsoft.com/office/powerpoint/2010/main" val="2396761412"/>
+        <p14:creationId xmlns:p14="http://schemas.microsoft.com/office/powerpoint/2010/main" val="1651815823"/>
       </p:ext>
     </p:extLst>
   </p:cSld>
@@ -349,7 +349,7 @@
           <p:cNvPr id="2" name="标题 1">
             <a:extLst>
               <a:ext uri="{FF2B5EF4-FFF2-40B4-BE49-F238E27FC236}">
-                <a16:creationId xmlns:a16="http://schemas.microsoft.com/office/drawing/2014/main" id="{D96BF898-5206-0029-F5C8-9F4A597D1AC5}"/>
+                <a16:creationId xmlns:a16="http://schemas.microsoft.com/office/drawing/2014/main" id="{4407ECFF-A3DD-13F6-D237-0D2625DA4CE4}"/>
               </a:ext>
             </a:extLst>
           </p:cNvPr>
@@ -377,7 +377,7 @@
           <p:cNvPr id="3" name="竖排文字占位符 2">
             <a:extLst>
               <a:ext uri="{FF2B5EF4-FFF2-40B4-BE49-F238E27FC236}">
-                <a16:creationId xmlns:a16="http://schemas.microsoft.com/office/drawing/2014/main" id="{2C53BC90-9630-8F42-06EA-C07C6558591B}"/>
+                <a16:creationId xmlns:a16="http://schemas.microsoft.com/office/drawing/2014/main" id="{32F8720D-199B-66C4-98F4-9E07C6AC6571}"/>
               </a:ext>
             </a:extLst>
           </p:cNvPr>
@@ -434,7 +434,7 @@
           <p:cNvPr id="4" name="日期占位符 3">
             <a:extLst>
               <a:ext uri="{FF2B5EF4-FFF2-40B4-BE49-F238E27FC236}">
-                <a16:creationId xmlns:a16="http://schemas.microsoft.com/office/drawing/2014/main" id="{0A365F36-9989-32FF-7CF0-B922DB796A86}"/>
+                <a16:creationId xmlns:a16="http://schemas.microsoft.com/office/drawing/2014/main" id="{E3726914-4841-8BA9-CD6F-566943BFB435}"/>
               </a:ext>
             </a:extLst>
           </p:cNvPr>
@@ -450,7 +450,7 @@
           <a:bodyPr/>
           <a:lstStyle/>
           <a:p>
-            <a:fld id="{E1687A15-FAD6-4391-BC63-9C557E42DF72}" type="datetimeFigureOut">
+            <a:fld id="{518353F8-2029-4A69-B7ED-BC990035C3EC}" type="datetimeFigureOut">
               <a:rPr lang="zh-CN" altLang="en-US" smtClean="0"/>
               <a:t>2024/3/10</a:t>
             </a:fld>
@@ -463,7 +463,7 @@
           <p:cNvPr id="5" name="页脚占位符 4">
             <a:extLst>
               <a:ext uri="{FF2B5EF4-FFF2-40B4-BE49-F238E27FC236}">
-                <a16:creationId xmlns:a16="http://schemas.microsoft.com/office/drawing/2014/main" id="{54BB7812-F1B3-08C2-DBA1-6A09FE3D2ED7}"/>
+                <a16:creationId xmlns:a16="http://schemas.microsoft.com/office/drawing/2014/main" id="{3885F78D-4A3B-350D-39AF-E0A2FDDA77C5}"/>
               </a:ext>
             </a:extLst>
           </p:cNvPr>
@@ -488,7 +488,7 @@
           <p:cNvPr id="6" name="灯片编号占位符 5">
             <a:extLst>
               <a:ext uri="{FF2B5EF4-FFF2-40B4-BE49-F238E27FC236}">
-                <a16:creationId xmlns:a16="http://schemas.microsoft.com/office/drawing/2014/main" id="{4767484E-F762-BA41-05EA-D977533E43EA}"/>
+                <a16:creationId xmlns:a16="http://schemas.microsoft.com/office/drawing/2014/main" id="{58CCB6AC-60C4-9F65-7C26-02793E50590D}"/>
               </a:ext>
             </a:extLst>
           </p:cNvPr>
@@ -504,7 +504,7 @@
           <a:bodyPr/>
           <a:lstStyle/>
           <a:p>
-            <a:fld id="{1BA7A8BC-3BE5-4732-B0AC-E96D7144C3DB}" type="slidenum">
+            <a:fld id="{B19BD12B-9DC3-4A11-95E0-6DB84A519273}" type="slidenum">
               <a:rPr lang="zh-CN" altLang="en-US" smtClean="0"/>
               <a:t>‹#›</a:t>
             </a:fld>
@@ -515,7 +515,7 @@
     </p:spTree>
     <p:extLst>
       <p:ext uri="{BB962C8B-B14F-4D97-AF65-F5344CB8AC3E}">
-        <p14:creationId xmlns:p14="http://schemas.microsoft.com/office/powerpoint/2010/main" val="2697854214"/>
+        <p14:creationId xmlns:p14="http://schemas.microsoft.com/office/powerpoint/2010/main" val="3229103073"/>
       </p:ext>
     </p:extLst>
   </p:cSld>
@@ -547,7 +547,7 @@
           <p:cNvPr id="2" name="竖排标题 1">
             <a:extLst>
               <a:ext uri="{FF2B5EF4-FFF2-40B4-BE49-F238E27FC236}">
-                <a16:creationId xmlns:a16="http://schemas.microsoft.com/office/drawing/2014/main" id="{C15F4445-9DBD-2B56-C71A-C9632CAE835A}"/>
+                <a16:creationId xmlns:a16="http://schemas.microsoft.com/office/drawing/2014/main" id="{8B8A338F-088E-8BA2-28A3-EC484D2B4647}"/>
               </a:ext>
             </a:extLst>
           </p:cNvPr>
@@ -580,7 +580,7 @@
           <p:cNvPr id="3" name="竖排文字占位符 2">
             <a:extLst>
               <a:ext uri="{FF2B5EF4-FFF2-40B4-BE49-F238E27FC236}">
-                <a16:creationId xmlns:a16="http://schemas.microsoft.com/office/drawing/2014/main" id="{A6E1784A-663A-D017-B416-8D2616816FB9}"/>
+                <a16:creationId xmlns:a16="http://schemas.microsoft.com/office/drawing/2014/main" id="{09AC6B12-9307-29F1-75BE-CD26B91D9E4A}"/>
               </a:ext>
             </a:extLst>
           </p:cNvPr>
@@ -642,7 +642,7 @@
           <p:cNvPr id="4" name="日期占位符 3">
             <a:extLst>
               <a:ext uri="{FF2B5EF4-FFF2-40B4-BE49-F238E27FC236}">
-                <a16:creationId xmlns:a16="http://schemas.microsoft.com/office/drawing/2014/main" id="{2DAB8AF9-E9C3-719B-8228-59F4A82FF751}"/>
+                <a16:creationId xmlns:a16="http://schemas.microsoft.com/office/drawing/2014/main" id="{9306F4CA-100E-98FC-0EF5-2F62E98DBE41}"/>
               </a:ext>
             </a:extLst>
           </p:cNvPr>
@@ -658,7 +658,7 @@
           <a:bodyPr/>
           <a:lstStyle/>
           <a:p>
-            <a:fld id="{E1687A15-FAD6-4391-BC63-9C557E42DF72}" type="datetimeFigureOut">
+            <a:fld id="{518353F8-2029-4A69-B7ED-BC990035C3EC}" type="datetimeFigureOut">
               <a:rPr lang="zh-CN" altLang="en-US" smtClean="0"/>
               <a:t>2024/3/10</a:t>
             </a:fld>
@@ -671,7 +671,7 @@
           <p:cNvPr id="5" name="页脚占位符 4">
             <a:extLst>
               <a:ext uri="{FF2B5EF4-FFF2-40B4-BE49-F238E27FC236}">
-                <a16:creationId xmlns:a16="http://schemas.microsoft.com/office/drawing/2014/main" id="{7FD44987-B5EB-2E10-21EA-D3745014103C}"/>
+                <a16:creationId xmlns:a16="http://schemas.microsoft.com/office/drawing/2014/main" id="{13D87975-0030-427E-5384-1BE5D145F05C}"/>
               </a:ext>
             </a:extLst>
           </p:cNvPr>
@@ -696,7 +696,7 @@
           <p:cNvPr id="6" name="灯片编号占位符 5">
             <a:extLst>
               <a:ext uri="{FF2B5EF4-FFF2-40B4-BE49-F238E27FC236}">
-                <a16:creationId xmlns:a16="http://schemas.microsoft.com/office/drawing/2014/main" id="{9FD3A075-E429-9F12-AE55-BD57B449DEDA}"/>
+                <a16:creationId xmlns:a16="http://schemas.microsoft.com/office/drawing/2014/main" id="{77B0BD94-CD7A-7B71-3550-83742FEF8703}"/>
               </a:ext>
             </a:extLst>
           </p:cNvPr>
@@ -712,7 +712,7 @@
           <a:bodyPr/>
           <a:lstStyle/>
           <a:p>
-            <a:fld id="{1BA7A8BC-3BE5-4732-B0AC-E96D7144C3DB}" type="slidenum">
+            <a:fld id="{B19BD12B-9DC3-4A11-95E0-6DB84A519273}" type="slidenum">
               <a:rPr lang="zh-CN" altLang="en-US" smtClean="0"/>
               <a:t>‹#›</a:t>
             </a:fld>
@@ -723,7 +723,7 @@
     </p:spTree>
     <p:extLst>
       <p:ext uri="{BB962C8B-B14F-4D97-AF65-F5344CB8AC3E}">
-        <p14:creationId xmlns:p14="http://schemas.microsoft.com/office/powerpoint/2010/main" val="1359549767"/>
+        <p14:creationId xmlns:p14="http://schemas.microsoft.com/office/powerpoint/2010/main" val="4543927"/>
       </p:ext>
     </p:extLst>
   </p:cSld>
@@ -755,7 +755,7 @@
           <p:cNvPr id="2" name="标题 1">
             <a:extLst>
               <a:ext uri="{FF2B5EF4-FFF2-40B4-BE49-F238E27FC236}">
-                <a16:creationId xmlns:a16="http://schemas.microsoft.com/office/drawing/2014/main" id="{CC80AB7A-D495-A97C-94FE-137461934750}"/>
+                <a16:creationId xmlns:a16="http://schemas.microsoft.com/office/drawing/2014/main" id="{77A3AADB-AAD3-EA4C-DA45-53C6830B333F}"/>
               </a:ext>
             </a:extLst>
           </p:cNvPr>
@@ -783,7 +783,7 @@
           <p:cNvPr id="3" name="内容占位符 2">
             <a:extLst>
               <a:ext uri="{FF2B5EF4-FFF2-40B4-BE49-F238E27FC236}">
-                <a16:creationId xmlns:a16="http://schemas.microsoft.com/office/drawing/2014/main" id="{1DE3E56D-D141-6018-57AF-5C0FB3D45053}"/>
+                <a16:creationId xmlns:a16="http://schemas.microsoft.com/office/drawing/2014/main" id="{D38AF2C5-7000-4E25-58E8-C2F267F4DFEA}"/>
               </a:ext>
             </a:extLst>
           </p:cNvPr>
@@ -840,7 +840,7 @@
           <p:cNvPr id="4" name="日期占位符 3">
             <a:extLst>
               <a:ext uri="{FF2B5EF4-FFF2-40B4-BE49-F238E27FC236}">
-                <a16:creationId xmlns:a16="http://schemas.microsoft.com/office/drawing/2014/main" id="{A4020AE9-0A26-53D8-2812-7E0CB0DC0285}"/>
+                <a16:creationId xmlns:a16="http://schemas.microsoft.com/office/drawing/2014/main" id="{C23AD4FF-AA51-F64C-D986-0B7F60C20F6E}"/>
               </a:ext>
             </a:extLst>
           </p:cNvPr>
@@ -856,7 +856,7 @@
           <a:bodyPr/>
           <a:lstStyle/>
           <a:p>
-            <a:fld id="{E1687A15-FAD6-4391-BC63-9C557E42DF72}" type="datetimeFigureOut">
+            <a:fld id="{518353F8-2029-4A69-B7ED-BC990035C3EC}" type="datetimeFigureOut">
               <a:rPr lang="zh-CN" altLang="en-US" smtClean="0"/>
               <a:t>2024/3/10</a:t>
             </a:fld>
@@ -869,7 +869,7 @@
           <p:cNvPr id="5" name="页脚占位符 4">
             <a:extLst>
               <a:ext uri="{FF2B5EF4-FFF2-40B4-BE49-F238E27FC236}">
-                <a16:creationId xmlns:a16="http://schemas.microsoft.com/office/drawing/2014/main" id="{7BD77121-1E63-072F-282E-47E193C4360A}"/>
+                <a16:creationId xmlns:a16="http://schemas.microsoft.com/office/drawing/2014/main" id="{CFC6A6A7-564F-9235-E4C3-E66BB44871DC}"/>
               </a:ext>
             </a:extLst>
           </p:cNvPr>
@@ -894,7 +894,7 @@
           <p:cNvPr id="6" name="灯片编号占位符 5">
             <a:extLst>
               <a:ext uri="{FF2B5EF4-FFF2-40B4-BE49-F238E27FC236}">
-                <a16:creationId xmlns:a16="http://schemas.microsoft.com/office/drawing/2014/main" id="{8930F3EE-7950-EF14-3E9D-2F40280FE8A9}"/>
+                <a16:creationId xmlns:a16="http://schemas.microsoft.com/office/drawing/2014/main" id="{559EE8E3-9958-4E41-7203-1993C91A7ED3}"/>
               </a:ext>
             </a:extLst>
           </p:cNvPr>
@@ -910,7 +910,7 @@
           <a:bodyPr/>
           <a:lstStyle/>
           <a:p>
-            <a:fld id="{1BA7A8BC-3BE5-4732-B0AC-E96D7144C3DB}" type="slidenum">
+            <a:fld id="{B19BD12B-9DC3-4A11-95E0-6DB84A519273}" type="slidenum">
               <a:rPr lang="zh-CN" altLang="en-US" smtClean="0"/>
               <a:t>‹#›</a:t>
             </a:fld>
@@ -921,7 +921,7 @@
     </p:spTree>
     <p:extLst>
       <p:ext uri="{BB962C8B-B14F-4D97-AF65-F5344CB8AC3E}">
-        <p14:creationId xmlns:p14="http://schemas.microsoft.com/office/powerpoint/2010/main" val="3570618849"/>
+        <p14:creationId xmlns:p14="http://schemas.microsoft.com/office/powerpoint/2010/main" val="1131330690"/>
       </p:ext>
     </p:extLst>
   </p:cSld>
@@ -953,7 +953,7 @@
           <p:cNvPr id="2" name="标题 1">
             <a:extLst>
               <a:ext uri="{FF2B5EF4-FFF2-40B4-BE49-F238E27FC236}">
-                <a16:creationId xmlns:a16="http://schemas.microsoft.com/office/drawing/2014/main" id="{97952B68-36DA-E347-06E8-9085F51CF72F}"/>
+                <a16:creationId xmlns:a16="http://schemas.microsoft.com/office/drawing/2014/main" id="{5ABF489B-FE16-64C5-AC2E-CC802986D9D8}"/>
               </a:ext>
             </a:extLst>
           </p:cNvPr>
@@ -990,7 +990,7 @@
           <p:cNvPr id="3" name="文本占位符 2">
             <a:extLst>
               <a:ext uri="{FF2B5EF4-FFF2-40B4-BE49-F238E27FC236}">
-                <a16:creationId xmlns:a16="http://schemas.microsoft.com/office/drawing/2014/main" id="{04899617-3EE5-B020-CABB-7C45155833A9}"/>
+                <a16:creationId xmlns:a16="http://schemas.microsoft.com/office/drawing/2014/main" id="{306EF621-AA2B-B7FA-C8EC-2CBA711EE551}"/>
               </a:ext>
             </a:extLst>
           </p:cNvPr>
@@ -1115,7 +1115,7 @@
           <p:cNvPr id="4" name="日期占位符 3">
             <a:extLst>
               <a:ext uri="{FF2B5EF4-FFF2-40B4-BE49-F238E27FC236}">
-                <a16:creationId xmlns:a16="http://schemas.microsoft.com/office/drawing/2014/main" id="{32CE2786-94D3-0B41-8F83-45EECFA52C87}"/>
+                <a16:creationId xmlns:a16="http://schemas.microsoft.com/office/drawing/2014/main" id="{76B715FD-A2DA-F4BA-F11D-752539909486}"/>
               </a:ext>
             </a:extLst>
           </p:cNvPr>
@@ -1131,7 +1131,7 @@
           <a:bodyPr/>
           <a:lstStyle/>
           <a:p>
-            <a:fld id="{E1687A15-FAD6-4391-BC63-9C557E42DF72}" type="datetimeFigureOut">
+            <a:fld id="{518353F8-2029-4A69-B7ED-BC990035C3EC}" type="datetimeFigureOut">
               <a:rPr lang="zh-CN" altLang="en-US" smtClean="0"/>
               <a:t>2024/3/10</a:t>
             </a:fld>
@@ -1144,7 +1144,7 @@
           <p:cNvPr id="5" name="页脚占位符 4">
             <a:extLst>
               <a:ext uri="{FF2B5EF4-FFF2-40B4-BE49-F238E27FC236}">
-                <a16:creationId xmlns:a16="http://schemas.microsoft.com/office/drawing/2014/main" id="{ABBBF6B9-1B29-3CFF-699A-6E0C647D4015}"/>
+                <a16:creationId xmlns:a16="http://schemas.microsoft.com/office/drawing/2014/main" id="{8DBB8186-1B81-64CD-30C0-85C15929453B}"/>
               </a:ext>
             </a:extLst>
           </p:cNvPr>
@@ -1169,7 +1169,7 @@
           <p:cNvPr id="6" name="灯片编号占位符 5">
             <a:extLst>
               <a:ext uri="{FF2B5EF4-FFF2-40B4-BE49-F238E27FC236}">
-                <a16:creationId xmlns:a16="http://schemas.microsoft.com/office/drawing/2014/main" id="{B74A0AE6-C0C1-EB0A-D109-3E55AFF7DE0B}"/>
+                <a16:creationId xmlns:a16="http://schemas.microsoft.com/office/drawing/2014/main" id="{768B7D2C-9315-26F2-ED77-161B0211B49C}"/>
               </a:ext>
             </a:extLst>
           </p:cNvPr>
@@ -1185,7 +1185,7 @@
           <a:bodyPr/>
           <a:lstStyle/>
           <a:p>
-            <a:fld id="{1BA7A8BC-3BE5-4732-B0AC-E96D7144C3DB}" type="slidenum">
+            <a:fld id="{B19BD12B-9DC3-4A11-95E0-6DB84A519273}" type="slidenum">
               <a:rPr lang="zh-CN" altLang="en-US" smtClean="0"/>
               <a:t>‹#›</a:t>
             </a:fld>
@@ -1196,7 +1196,7 @@
     </p:spTree>
     <p:extLst>
       <p:ext uri="{BB962C8B-B14F-4D97-AF65-F5344CB8AC3E}">
-        <p14:creationId xmlns:p14="http://schemas.microsoft.com/office/powerpoint/2010/main" val="743530122"/>
+        <p14:creationId xmlns:p14="http://schemas.microsoft.com/office/powerpoint/2010/main" val="1818748828"/>
       </p:ext>
     </p:extLst>
   </p:cSld>
@@ -1228,7 +1228,7 @@
           <p:cNvPr id="2" name="标题 1">
             <a:extLst>
               <a:ext uri="{FF2B5EF4-FFF2-40B4-BE49-F238E27FC236}">
-                <a16:creationId xmlns:a16="http://schemas.microsoft.com/office/drawing/2014/main" id="{001A854B-3FC7-DC6A-AA20-40F4A6726342}"/>
+                <a16:creationId xmlns:a16="http://schemas.microsoft.com/office/drawing/2014/main" id="{A94DD93C-5562-9AEA-F51D-F476143AF0F9}"/>
               </a:ext>
             </a:extLst>
           </p:cNvPr>
@@ -1256,7 +1256,7 @@
           <p:cNvPr id="3" name="内容占位符 2">
             <a:extLst>
               <a:ext uri="{FF2B5EF4-FFF2-40B4-BE49-F238E27FC236}">
-                <a16:creationId xmlns:a16="http://schemas.microsoft.com/office/drawing/2014/main" id="{C618DFB2-9BFE-FAE6-A6B1-64F9CC14BED8}"/>
+                <a16:creationId xmlns:a16="http://schemas.microsoft.com/office/drawing/2014/main" id="{0071750C-8037-1978-AB4A-8F00C48B9B94}"/>
               </a:ext>
             </a:extLst>
           </p:cNvPr>
@@ -1318,7 +1318,7 @@
           <p:cNvPr id="4" name="内容占位符 3">
             <a:extLst>
               <a:ext uri="{FF2B5EF4-FFF2-40B4-BE49-F238E27FC236}">
-                <a16:creationId xmlns:a16="http://schemas.microsoft.com/office/drawing/2014/main" id="{B9FDEA74-4FB1-E672-7B84-B5DB74DACDAC}"/>
+                <a16:creationId xmlns:a16="http://schemas.microsoft.com/office/drawing/2014/main" id="{F33F8E41-4858-4F78-3E67-DB6450431871}"/>
               </a:ext>
             </a:extLst>
           </p:cNvPr>
@@ -1380,7 +1380,7 @@
           <p:cNvPr id="5" name="日期占位符 4">
             <a:extLst>
               <a:ext uri="{FF2B5EF4-FFF2-40B4-BE49-F238E27FC236}">
-                <a16:creationId xmlns:a16="http://schemas.microsoft.com/office/drawing/2014/main" id="{38CC0771-1ACA-B63D-12D3-E3A834922D4B}"/>
+                <a16:creationId xmlns:a16="http://schemas.microsoft.com/office/drawing/2014/main" id="{D7BE8632-0C78-FA7B-CA24-465A22D7A4F8}"/>
               </a:ext>
             </a:extLst>
           </p:cNvPr>
@@ -1396,7 +1396,7 @@
           <a:bodyPr/>
           <a:lstStyle/>
           <a:p>
-            <a:fld id="{E1687A15-FAD6-4391-BC63-9C557E42DF72}" type="datetimeFigureOut">
+            <a:fld id="{518353F8-2029-4A69-B7ED-BC990035C3EC}" type="datetimeFigureOut">
               <a:rPr lang="zh-CN" altLang="en-US" smtClean="0"/>
               <a:t>2024/3/10</a:t>
             </a:fld>
@@ -1409,7 +1409,7 @@
           <p:cNvPr id="6" name="页脚占位符 5">
             <a:extLst>
               <a:ext uri="{FF2B5EF4-FFF2-40B4-BE49-F238E27FC236}">
-                <a16:creationId xmlns:a16="http://schemas.microsoft.com/office/drawing/2014/main" id="{D660D3A6-F85B-A205-54B6-46E39140350E}"/>
+                <a16:creationId xmlns:a16="http://schemas.microsoft.com/office/drawing/2014/main" id="{3B6E1768-BEFD-D9E2-9A9C-11B8ECD0A106}"/>
               </a:ext>
             </a:extLst>
           </p:cNvPr>
@@ -1434,7 +1434,7 @@
           <p:cNvPr id="7" name="灯片编号占位符 6">
             <a:extLst>
               <a:ext uri="{FF2B5EF4-FFF2-40B4-BE49-F238E27FC236}">
-                <a16:creationId xmlns:a16="http://schemas.microsoft.com/office/drawing/2014/main" id="{4E76A322-AA50-AAC8-8B2D-89CB2F782EDE}"/>
+                <a16:creationId xmlns:a16="http://schemas.microsoft.com/office/drawing/2014/main" id="{43BC1209-60C6-F1FE-0DE5-1777FB800FF4}"/>
               </a:ext>
             </a:extLst>
           </p:cNvPr>
@@ -1450,7 +1450,7 @@
           <a:bodyPr/>
           <a:lstStyle/>
           <a:p>
-            <a:fld id="{1BA7A8BC-3BE5-4732-B0AC-E96D7144C3DB}" type="slidenum">
+            <a:fld id="{B19BD12B-9DC3-4A11-95E0-6DB84A519273}" type="slidenum">
               <a:rPr lang="zh-CN" altLang="en-US" smtClean="0"/>
               <a:t>‹#›</a:t>
             </a:fld>
@@ -1461,7 +1461,7 @@
     </p:spTree>
     <p:extLst>
       <p:ext uri="{BB962C8B-B14F-4D97-AF65-F5344CB8AC3E}">
-        <p14:creationId xmlns:p14="http://schemas.microsoft.com/office/powerpoint/2010/main" val="2831671412"/>
+        <p14:creationId xmlns:p14="http://schemas.microsoft.com/office/powerpoint/2010/main" val="2026024629"/>
       </p:ext>
     </p:extLst>
   </p:cSld>
@@ -1493,7 +1493,7 @@
           <p:cNvPr id="2" name="标题 1">
             <a:extLst>
               <a:ext uri="{FF2B5EF4-FFF2-40B4-BE49-F238E27FC236}">
-                <a16:creationId xmlns:a16="http://schemas.microsoft.com/office/drawing/2014/main" id="{B20B2C27-03DD-297F-5CFD-C7DCB487C596}"/>
+                <a16:creationId xmlns:a16="http://schemas.microsoft.com/office/drawing/2014/main" id="{569CAF9F-3C85-F85D-7F94-6E726A376A8B}"/>
               </a:ext>
             </a:extLst>
           </p:cNvPr>
@@ -1526,7 +1526,7 @@
           <p:cNvPr id="3" name="文本占位符 2">
             <a:extLst>
               <a:ext uri="{FF2B5EF4-FFF2-40B4-BE49-F238E27FC236}">
-                <a16:creationId xmlns:a16="http://schemas.microsoft.com/office/drawing/2014/main" id="{FE60C904-B1F6-4D47-2B43-D8AA568D5915}"/>
+                <a16:creationId xmlns:a16="http://schemas.microsoft.com/office/drawing/2014/main" id="{3257AD83-3824-2794-E8CD-A16AF89A8941}"/>
               </a:ext>
             </a:extLst>
           </p:cNvPr>
@@ -1597,7 +1597,7 @@
           <p:cNvPr id="4" name="内容占位符 3">
             <a:extLst>
               <a:ext uri="{FF2B5EF4-FFF2-40B4-BE49-F238E27FC236}">
-                <a16:creationId xmlns:a16="http://schemas.microsoft.com/office/drawing/2014/main" id="{3B1C4CA4-C843-FC69-2DC4-6C661A1B9C9A}"/>
+                <a16:creationId xmlns:a16="http://schemas.microsoft.com/office/drawing/2014/main" id="{109B0EB5-2B69-31C8-A1AB-BA7722952351}"/>
               </a:ext>
             </a:extLst>
           </p:cNvPr>
@@ -1659,7 +1659,7 @@
           <p:cNvPr id="5" name="文本占位符 4">
             <a:extLst>
               <a:ext uri="{FF2B5EF4-FFF2-40B4-BE49-F238E27FC236}">
-                <a16:creationId xmlns:a16="http://schemas.microsoft.com/office/drawing/2014/main" id="{0BC1CA96-B610-FBA2-C7D6-7D11F15B76D4}"/>
+                <a16:creationId xmlns:a16="http://schemas.microsoft.com/office/drawing/2014/main" id="{94276198-60ED-4C8B-9004-92C6CC2B0543}"/>
               </a:ext>
             </a:extLst>
           </p:cNvPr>
@@ -1730,7 +1730,7 @@
           <p:cNvPr id="6" name="内容占位符 5">
             <a:extLst>
               <a:ext uri="{FF2B5EF4-FFF2-40B4-BE49-F238E27FC236}">
-                <a16:creationId xmlns:a16="http://schemas.microsoft.com/office/drawing/2014/main" id="{30321843-2102-A3B7-B804-4795963C03BA}"/>
+                <a16:creationId xmlns:a16="http://schemas.microsoft.com/office/drawing/2014/main" id="{AA926C01-9C34-D960-1A62-83B139554DDE}"/>
               </a:ext>
             </a:extLst>
           </p:cNvPr>
@@ -1792,7 +1792,7 @@
           <p:cNvPr id="7" name="日期占位符 6">
             <a:extLst>
               <a:ext uri="{FF2B5EF4-FFF2-40B4-BE49-F238E27FC236}">
-                <a16:creationId xmlns:a16="http://schemas.microsoft.com/office/drawing/2014/main" id="{C60FC948-54F5-E5D5-C751-80657F5F3DFC}"/>
+                <a16:creationId xmlns:a16="http://schemas.microsoft.com/office/drawing/2014/main" id="{FE0B95A4-991C-43DD-7CF6-EB16377BBEA8}"/>
               </a:ext>
             </a:extLst>
           </p:cNvPr>
@@ -1808,7 +1808,7 @@
           <a:bodyPr/>
           <a:lstStyle/>
           <a:p>
-            <a:fld id="{E1687A15-FAD6-4391-BC63-9C557E42DF72}" type="datetimeFigureOut">
+            <a:fld id="{518353F8-2029-4A69-B7ED-BC990035C3EC}" type="datetimeFigureOut">
               <a:rPr lang="zh-CN" altLang="en-US" smtClean="0"/>
               <a:t>2024/3/10</a:t>
             </a:fld>
@@ -1821,7 +1821,7 @@
           <p:cNvPr id="8" name="页脚占位符 7">
             <a:extLst>
               <a:ext uri="{FF2B5EF4-FFF2-40B4-BE49-F238E27FC236}">
-                <a16:creationId xmlns:a16="http://schemas.microsoft.com/office/drawing/2014/main" id="{C9DA99F8-3498-3299-1C59-A79D84EA4B77}"/>
+                <a16:creationId xmlns:a16="http://schemas.microsoft.com/office/drawing/2014/main" id="{38D5C3B8-DEAC-0466-4C85-196535D599C2}"/>
               </a:ext>
             </a:extLst>
           </p:cNvPr>
@@ -1846,7 +1846,7 @@
           <p:cNvPr id="9" name="灯片编号占位符 8">
             <a:extLst>
               <a:ext uri="{FF2B5EF4-FFF2-40B4-BE49-F238E27FC236}">
-                <a16:creationId xmlns:a16="http://schemas.microsoft.com/office/drawing/2014/main" id="{DC3B4396-5058-A0C0-B6FD-5237F8A38555}"/>
+                <a16:creationId xmlns:a16="http://schemas.microsoft.com/office/drawing/2014/main" id="{9DDE520D-AC7F-511A-FCDD-7E1949ABFFF0}"/>
               </a:ext>
             </a:extLst>
           </p:cNvPr>
@@ -1862,7 +1862,7 @@
           <a:bodyPr/>
           <a:lstStyle/>
           <a:p>
-            <a:fld id="{1BA7A8BC-3BE5-4732-B0AC-E96D7144C3DB}" type="slidenum">
+            <a:fld id="{B19BD12B-9DC3-4A11-95E0-6DB84A519273}" type="slidenum">
               <a:rPr lang="zh-CN" altLang="en-US" smtClean="0"/>
               <a:t>‹#›</a:t>
             </a:fld>
@@ -1873,7 +1873,7 @@
     </p:spTree>
     <p:extLst>
       <p:ext uri="{BB962C8B-B14F-4D97-AF65-F5344CB8AC3E}">
-        <p14:creationId xmlns:p14="http://schemas.microsoft.com/office/powerpoint/2010/main" val="2415626435"/>
+        <p14:creationId xmlns:p14="http://schemas.microsoft.com/office/powerpoint/2010/main" val="3435167361"/>
       </p:ext>
     </p:extLst>
   </p:cSld>
@@ -1905,7 +1905,7 @@
           <p:cNvPr id="2" name="标题 1">
             <a:extLst>
               <a:ext uri="{FF2B5EF4-FFF2-40B4-BE49-F238E27FC236}">
-                <a16:creationId xmlns:a16="http://schemas.microsoft.com/office/drawing/2014/main" id="{CE2FBC64-4E33-40D3-9598-ABE23760EAAD}"/>
+                <a16:creationId xmlns:a16="http://schemas.microsoft.com/office/drawing/2014/main" id="{28301A5E-9EC1-6BC7-2AD5-6C3E10FF995B}"/>
               </a:ext>
             </a:extLst>
           </p:cNvPr>
@@ -1933,7 +1933,7 @@
           <p:cNvPr id="3" name="日期占位符 2">
             <a:extLst>
               <a:ext uri="{FF2B5EF4-FFF2-40B4-BE49-F238E27FC236}">
-                <a16:creationId xmlns:a16="http://schemas.microsoft.com/office/drawing/2014/main" id="{A16A2185-F3E4-861D-E2D8-00DE5F4FFBF2}"/>
+                <a16:creationId xmlns:a16="http://schemas.microsoft.com/office/drawing/2014/main" id="{35B0EC02-3BDC-FF40-7B90-D9335B26C342}"/>
               </a:ext>
             </a:extLst>
           </p:cNvPr>
@@ -1949,7 +1949,7 @@
           <a:bodyPr/>
           <a:lstStyle/>
           <a:p>
-            <a:fld id="{E1687A15-FAD6-4391-BC63-9C557E42DF72}" type="datetimeFigureOut">
+            <a:fld id="{518353F8-2029-4A69-B7ED-BC990035C3EC}" type="datetimeFigureOut">
               <a:rPr lang="zh-CN" altLang="en-US" smtClean="0"/>
               <a:t>2024/3/10</a:t>
             </a:fld>
@@ -1962,7 +1962,7 @@
           <p:cNvPr id="4" name="页脚占位符 3">
             <a:extLst>
               <a:ext uri="{FF2B5EF4-FFF2-40B4-BE49-F238E27FC236}">
-                <a16:creationId xmlns:a16="http://schemas.microsoft.com/office/drawing/2014/main" id="{67B74C00-1D50-04AE-8729-475E0C677871}"/>
+                <a16:creationId xmlns:a16="http://schemas.microsoft.com/office/drawing/2014/main" id="{C640CC8A-EA0D-F609-0BBE-2536C78080F2}"/>
               </a:ext>
             </a:extLst>
           </p:cNvPr>
@@ -1987,7 +1987,7 @@
           <p:cNvPr id="5" name="灯片编号占位符 4">
             <a:extLst>
               <a:ext uri="{FF2B5EF4-FFF2-40B4-BE49-F238E27FC236}">
-                <a16:creationId xmlns:a16="http://schemas.microsoft.com/office/drawing/2014/main" id="{B7B50F52-9ED3-7E65-1C1D-88830FEB9D37}"/>
+                <a16:creationId xmlns:a16="http://schemas.microsoft.com/office/drawing/2014/main" id="{2B1A12D4-CE1B-1115-5D56-1C1C7BD3C4D2}"/>
               </a:ext>
             </a:extLst>
           </p:cNvPr>
@@ -2003,7 +2003,7 @@
           <a:bodyPr/>
           <a:lstStyle/>
           <a:p>
-            <a:fld id="{1BA7A8BC-3BE5-4732-B0AC-E96D7144C3DB}" type="slidenum">
+            <a:fld id="{B19BD12B-9DC3-4A11-95E0-6DB84A519273}" type="slidenum">
               <a:rPr lang="zh-CN" altLang="en-US" smtClean="0"/>
               <a:t>‹#›</a:t>
             </a:fld>
@@ -2014,7 +2014,7 @@
     </p:spTree>
     <p:extLst>
       <p:ext uri="{BB962C8B-B14F-4D97-AF65-F5344CB8AC3E}">
-        <p14:creationId xmlns:p14="http://schemas.microsoft.com/office/powerpoint/2010/main" val="1950475735"/>
+        <p14:creationId xmlns:p14="http://schemas.microsoft.com/office/powerpoint/2010/main" val="2548576507"/>
       </p:ext>
     </p:extLst>
   </p:cSld>
@@ -2046,7 +2046,7 @@
           <p:cNvPr id="2" name="日期占位符 1">
             <a:extLst>
               <a:ext uri="{FF2B5EF4-FFF2-40B4-BE49-F238E27FC236}">
-                <a16:creationId xmlns:a16="http://schemas.microsoft.com/office/drawing/2014/main" id="{284B03F7-716F-7DD6-AFFB-3ACE91F51E15}"/>
+                <a16:creationId xmlns:a16="http://schemas.microsoft.com/office/drawing/2014/main" id="{8CE33FB7-8387-0F6E-2C53-5BDD0050314D}"/>
               </a:ext>
             </a:extLst>
           </p:cNvPr>
@@ -2062,7 +2062,7 @@
           <a:bodyPr/>
           <a:lstStyle/>
           <a:p>
-            <a:fld id="{E1687A15-FAD6-4391-BC63-9C557E42DF72}" type="datetimeFigureOut">
+            <a:fld id="{518353F8-2029-4A69-B7ED-BC990035C3EC}" type="datetimeFigureOut">
               <a:rPr lang="zh-CN" altLang="en-US" smtClean="0"/>
               <a:t>2024/3/10</a:t>
             </a:fld>
@@ -2075,7 +2075,7 @@
           <p:cNvPr id="3" name="页脚占位符 2">
             <a:extLst>
               <a:ext uri="{FF2B5EF4-FFF2-40B4-BE49-F238E27FC236}">
-                <a16:creationId xmlns:a16="http://schemas.microsoft.com/office/drawing/2014/main" id="{AC720A68-4013-77E6-928A-CD3D8844C8BB}"/>
+                <a16:creationId xmlns:a16="http://schemas.microsoft.com/office/drawing/2014/main" id="{DEE0F2A3-6B56-5372-A5E5-C629AAE2E40E}"/>
               </a:ext>
             </a:extLst>
           </p:cNvPr>
@@ -2100,7 +2100,7 @@
           <p:cNvPr id="4" name="灯片编号占位符 3">
             <a:extLst>
               <a:ext uri="{FF2B5EF4-FFF2-40B4-BE49-F238E27FC236}">
-                <a16:creationId xmlns:a16="http://schemas.microsoft.com/office/drawing/2014/main" id="{9E2C6750-8C8E-8BED-1B7B-CEFD7A98B00F}"/>
+                <a16:creationId xmlns:a16="http://schemas.microsoft.com/office/drawing/2014/main" id="{549494E9-9385-A708-8EC6-742497B95150}"/>
               </a:ext>
             </a:extLst>
           </p:cNvPr>
@@ -2116,7 +2116,7 @@
           <a:bodyPr/>
           <a:lstStyle/>
           <a:p>
-            <a:fld id="{1BA7A8BC-3BE5-4732-B0AC-E96D7144C3DB}" type="slidenum">
+            <a:fld id="{B19BD12B-9DC3-4A11-95E0-6DB84A519273}" type="slidenum">
               <a:rPr lang="zh-CN" altLang="en-US" smtClean="0"/>
               <a:t>‹#›</a:t>
             </a:fld>
@@ -2127,7 +2127,7 @@
     </p:spTree>
     <p:extLst>
       <p:ext uri="{BB962C8B-B14F-4D97-AF65-F5344CB8AC3E}">
-        <p14:creationId xmlns:p14="http://schemas.microsoft.com/office/powerpoint/2010/main" val="2649017603"/>
+        <p14:creationId xmlns:p14="http://schemas.microsoft.com/office/powerpoint/2010/main" val="1392138585"/>
       </p:ext>
     </p:extLst>
   </p:cSld>
@@ -2159,7 +2159,7 @@
           <p:cNvPr id="2" name="标题 1">
             <a:extLst>
               <a:ext uri="{FF2B5EF4-FFF2-40B4-BE49-F238E27FC236}">
-                <a16:creationId xmlns:a16="http://schemas.microsoft.com/office/drawing/2014/main" id="{96204D6B-3AB2-F0CC-1478-19C6D0F478F2}"/>
+                <a16:creationId xmlns:a16="http://schemas.microsoft.com/office/drawing/2014/main" id="{3693F433-6F2C-8C4E-5CCB-460D904EAD95}"/>
               </a:ext>
             </a:extLst>
           </p:cNvPr>
@@ -2196,7 +2196,7 @@
           <p:cNvPr id="3" name="内容占位符 2">
             <a:extLst>
               <a:ext uri="{FF2B5EF4-FFF2-40B4-BE49-F238E27FC236}">
-                <a16:creationId xmlns:a16="http://schemas.microsoft.com/office/drawing/2014/main" id="{C646B940-0941-298A-996B-A4BA2CFE4710}"/>
+                <a16:creationId xmlns:a16="http://schemas.microsoft.com/office/drawing/2014/main" id="{E4DEE7FE-616F-E54B-3AC7-5CEEEBEA546C}"/>
               </a:ext>
             </a:extLst>
           </p:cNvPr>
@@ -2286,7 +2286,7 @@
           <p:cNvPr id="4" name="文本占位符 3">
             <a:extLst>
               <a:ext uri="{FF2B5EF4-FFF2-40B4-BE49-F238E27FC236}">
-                <a16:creationId xmlns:a16="http://schemas.microsoft.com/office/drawing/2014/main" id="{CF9348E1-D543-24CD-1E44-EBC17D37F275}"/>
+                <a16:creationId xmlns:a16="http://schemas.microsoft.com/office/drawing/2014/main" id="{CC5847A4-CD84-57EC-EBEA-166808ECF78C}"/>
               </a:ext>
             </a:extLst>
           </p:cNvPr>
@@ -2357,7 +2357,7 @@
           <p:cNvPr id="5" name="日期占位符 4">
             <a:extLst>
               <a:ext uri="{FF2B5EF4-FFF2-40B4-BE49-F238E27FC236}">
-                <a16:creationId xmlns:a16="http://schemas.microsoft.com/office/drawing/2014/main" id="{40C279DD-9605-632C-B54F-51192F24D43F}"/>
+                <a16:creationId xmlns:a16="http://schemas.microsoft.com/office/drawing/2014/main" id="{6D948E26-9C6E-06AF-5511-3324CC6A9C03}"/>
               </a:ext>
             </a:extLst>
           </p:cNvPr>
@@ -2373,7 +2373,7 @@
           <a:bodyPr/>
           <a:lstStyle/>
           <a:p>
-            <a:fld id="{E1687A15-FAD6-4391-BC63-9C557E42DF72}" type="datetimeFigureOut">
+            <a:fld id="{518353F8-2029-4A69-B7ED-BC990035C3EC}" type="datetimeFigureOut">
               <a:rPr lang="zh-CN" altLang="en-US" smtClean="0"/>
               <a:t>2024/3/10</a:t>
             </a:fld>
@@ -2386,7 +2386,7 @@
           <p:cNvPr id="6" name="页脚占位符 5">
             <a:extLst>
               <a:ext uri="{FF2B5EF4-FFF2-40B4-BE49-F238E27FC236}">
-                <a16:creationId xmlns:a16="http://schemas.microsoft.com/office/drawing/2014/main" id="{2DD8278A-8B1C-5543-B656-0B88407D5726}"/>
+                <a16:creationId xmlns:a16="http://schemas.microsoft.com/office/drawing/2014/main" id="{2387D1FC-EFE4-0DDB-7098-A89CDDAD08E8}"/>
               </a:ext>
             </a:extLst>
           </p:cNvPr>
@@ -2411,7 +2411,7 @@
           <p:cNvPr id="7" name="灯片编号占位符 6">
             <a:extLst>
               <a:ext uri="{FF2B5EF4-FFF2-40B4-BE49-F238E27FC236}">
-                <a16:creationId xmlns:a16="http://schemas.microsoft.com/office/drawing/2014/main" id="{80A1FC03-44FB-D8B4-ED91-33FE787B9DD8}"/>
+                <a16:creationId xmlns:a16="http://schemas.microsoft.com/office/drawing/2014/main" id="{6C67FC0E-4EFD-2CF6-5921-9B3815A56163}"/>
               </a:ext>
             </a:extLst>
           </p:cNvPr>
@@ -2427,7 +2427,7 @@
           <a:bodyPr/>
           <a:lstStyle/>
           <a:p>
-            <a:fld id="{1BA7A8BC-3BE5-4732-B0AC-E96D7144C3DB}" type="slidenum">
+            <a:fld id="{B19BD12B-9DC3-4A11-95E0-6DB84A519273}" type="slidenum">
               <a:rPr lang="zh-CN" altLang="en-US" smtClean="0"/>
               <a:t>‹#›</a:t>
             </a:fld>
@@ -2438,7 +2438,7 @@
     </p:spTree>
     <p:extLst>
       <p:ext uri="{BB962C8B-B14F-4D97-AF65-F5344CB8AC3E}">
-        <p14:creationId xmlns:p14="http://schemas.microsoft.com/office/powerpoint/2010/main" val="3303443645"/>
+        <p14:creationId xmlns:p14="http://schemas.microsoft.com/office/powerpoint/2010/main" val="795380349"/>
       </p:ext>
     </p:extLst>
   </p:cSld>
@@ -2470,7 +2470,7 @@
           <p:cNvPr id="2" name="标题 1">
             <a:extLst>
               <a:ext uri="{FF2B5EF4-FFF2-40B4-BE49-F238E27FC236}">
-                <a16:creationId xmlns:a16="http://schemas.microsoft.com/office/drawing/2014/main" id="{3ABFDB2F-2392-94D7-E201-2713DBF99940}"/>
+                <a16:creationId xmlns:a16="http://schemas.microsoft.com/office/drawing/2014/main" id="{1B65AE5D-8CC1-4A0A-EA58-000816501AC6}"/>
               </a:ext>
             </a:extLst>
           </p:cNvPr>
@@ -2507,7 +2507,7 @@
           <p:cNvPr id="3" name="图片占位符 2">
             <a:extLst>
               <a:ext uri="{FF2B5EF4-FFF2-40B4-BE49-F238E27FC236}">
-                <a16:creationId xmlns:a16="http://schemas.microsoft.com/office/drawing/2014/main" id="{439776DE-E74F-03BD-B53C-25A6A694C9AF}"/>
+                <a16:creationId xmlns:a16="http://schemas.microsoft.com/office/drawing/2014/main" id="{BC3FE102-55F7-EEC8-FCE7-F4DD7A8192F7}"/>
               </a:ext>
             </a:extLst>
           </p:cNvPr>
@@ -2574,7 +2574,7 @@
           <p:cNvPr id="4" name="文本占位符 3">
             <a:extLst>
               <a:ext uri="{FF2B5EF4-FFF2-40B4-BE49-F238E27FC236}">
-                <a16:creationId xmlns:a16="http://schemas.microsoft.com/office/drawing/2014/main" id="{9CD34D22-40AC-26DF-C8DB-D4AD21798325}"/>
+                <a16:creationId xmlns:a16="http://schemas.microsoft.com/office/drawing/2014/main" id="{0F1C5529-C808-3DD6-C2D4-314EAE527B95}"/>
               </a:ext>
             </a:extLst>
           </p:cNvPr>
@@ -2645,7 +2645,7 @@
           <p:cNvPr id="5" name="日期占位符 4">
             <a:extLst>
               <a:ext uri="{FF2B5EF4-FFF2-40B4-BE49-F238E27FC236}">
-                <a16:creationId xmlns:a16="http://schemas.microsoft.com/office/drawing/2014/main" id="{3692890F-6D73-3510-F8C0-F26EC41ACEC7}"/>
+                <a16:creationId xmlns:a16="http://schemas.microsoft.com/office/drawing/2014/main" id="{DC2DBB20-662C-77E7-FE66-2E57EB62A9A9}"/>
               </a:ext>
             </a:extLst>
           </p:cNvPr>
@@ -2661,7 +2661,7 @@
           <a:bodyPr/>
           <a:lstStyle/>
           <a:p>
-            <a:fld id="{E1687A15-FAD6-4391-BC63-9C557E42DF72}" type="datetimeFigureOut">
+            <a:fld id="{518353F8-2029-4A69-B7ED-BC990035C3EC}" type="datetimeFigureOut">
               <a:rPr lang="zh-CN" altLang="en-US" smtClean="0"/>
               <a:t>2024/3/10</a:t>
             </a:fld>
@@ -2674,7 +2674,7 @@
           <p:cNvPr id="6" name="页脚占位符 5">
             <a:extLst>
               <a:ext uri="{FF2B5EF4-FFF2-40B4-BE49-F238E27FC236}">
-                <a16:creationId xmlns:a16="http://schemas.microsoft.com/office/drawing/2014/main" id="{54D9E726-90F7-0BCC-99B0-1521482E029B}"/>
+                <a16:creationId xmlns:a16="http://schemas.microsoft.com/office/drawing/2014/main" id="{2362A4DF-A48E-E33A-C849-91F9FA1958BB}"/>
               </a:ext>
             </a:extLst>
           </p:cNvPr>
@@ -2699,7 +2699,7 @@
           <p:cNvPr id="7" name="灯片编号占位符 6">
             <a:extLst>
               <a:ext uri="{FF2B5EF4-FFF2-40B4-BE49-F238E27FC236}">
-                <a16:creationId xmlns:a16="http://schemas.microsoft.com/office/drawing/2014/main" id="{EA37AB3C-9C91-C427-8F1A-0732E481632C}"/>
+                <a16:creationId xmlns:a16="http://schemas.microsoft.com/office/drawing/2014/main" id="{E04E337E-B5F3-9164-289C-344912F2B9B6}"/>
               </a:ext>
             </a:extLst>
           </p:cNvPr>
@@ -2715,7 +2715,7 @@
           <a:bodyPr/>
           <a:lstStyle/>
           <a:p>
-            <a:fld id="{1BA7A8BC-3BE5-4732-B0AC-E96D7144C3DB}" type="slidenum">
+            <a:fld id="{B19BD12B-9DC3-4A11-95E0-6DB84A519273}" type="slidenum">
               <a:rPr lang="zh-CN" altLang="en-US" smtClean="0"/>
               <a:t>‹#›</a:t>
             </a:fld>
@@ -2726,7 +2726,7 @@
     </p:spTree>
     <p:extLst>
       <p:ext uri="{BB962C8B-B14F-4D97-AF65-F5344CB8AC3E}">
-        <p14:creationId xmlns:p14="http://schemas.microsoft.com/office/powerpoint/2010/main" val="219849235"/>
+        <p14:creationId xmlns:p14="http://schemas.microsoft.com/office/powerpoint/2010/main" val="3985147003"/>
       </p:ext>
     </p:extLst>
   </p:cSld>
@@ -2763,7 +2763,7 @@
           <p:cNvPr id="2" name="标题占位符 1">
             <a:extLst>
               <a:ext uri="{FF2B5EF4-FFF2-40B4-BE49-F238E27FC236}">
-                <a16:creationId xmlns:a16="http://schemas.microsoft.com/office/drawing/2014/main" id="{1D24C9FD-6103-245D-DEF6-A2B11776BB88}"/>
+                <a16:creationId xmlns:a16="http://schemas.microsoft.com/office/drawing/2014/main" id="{607DE0CE-E71F-2DC3-FBB9-EA4EA4D9E7AD}"/>
               </a:ext>
             </a:extLst>
           </p:cNvPr>
@@ -2801,7 +2801,7 @@
           <p:cNvPr id="3" name="文本占位符 2">
             <a:extLst>
               <a:ext uri="{FF2B5EF4-FFF2-40B4-BE49-F238E27FC236}">
-                <a16:creationId xmlns:a16="http://schemas.microsoft.com/office/drawing/2014/main" id="{DB040681-3497-BF1B-7AAE-0F0CC3131A38}"/>
+                <a16:creationId xmlns:a16="http://schemas.microsoft.com/office/drawing/2014/main" id="{C80CB5E2-662C-F3DC-8D1C-48729AB20675}"/>
               </a:ext>
             </a:extLst>
           </p:cNvPr>
@@ -2868,7 +2868,7 @@
           <p:cNvPr id="4" name="日期占位符 3">
             <a:extLst>
               <a:ext uri="{FF2B5EF4-FFF2-40B4-BE49-F238E27FC236}">
-                <a16:creationId xmlns:a16="http://schemas.microsoft.com/office/drawing/2014/main" id="{0D6046FA-5F43-11E3-EE28-AB3F0B26690D}"/>
+                <a16:creationId xmlns:a16="http://schemas.microsoft.com/office/drawing/2014/main" id="{A7E7C69E-3567-0FC7-2A79-B4BB77563985}"/>
               </a:ext>
             </a:extLst>
           </p:cNvPr>
@@ -2902,7 +2902,7 @@
             </a:lvl1pPr>
           </a:lstStyle>
           <a:p>
-            <a:fld id="{E1687A15-FAD6-4391-BC63-9C557E42DF72}" type="datetimeFigureOut">
+            <a:fld id="{518353F8-2029-4A69-B7ED-BC990035C3EC}" type="datetimeFigureOut">
               <a:rPr lang="zh-CN" altLang="en-US" smtClean="0"/>
               <a:t>2024/3/10</a:t>
             </a:fld>
@@ -2915,7 +2915,7 @@
           <p:cNvPr id="5" name="页脚占位符 4">
             <a:extLst>
               <a:ext uri="{FF2B5EF4-FFF2-40B4-BE49-F238E27FC236}">
-                <a16:creationId xmlns:a16="http://schemas.microsoft.com/office/drawing/2014/main" id="{14AA45BC-F6B7-A7E2-98F9-1E760E37A1BC}"/>
+                <a16:creationId xmlns:a16="http://schemas.microsoft.com/office/drawing/2014/main" id="{2D1781EA-1441-688E-2B53-48B6433A89A5}"/>
               </a:ext>
             </a:extLst>
           </p:cNvPr>
@@ -2958,7 +2958,7 @@
           <p:cNvPr id="6" name="灯片编号占位符 5">
             <a:extLst>
               <a:ext uri="{FF2B5EF4-FFF2-40B4-BE49-F238E27FC236}">
-                <a16:creationId xmlns:a16="http://schemas.microsoft.com/office/drawing/2014/main" id="{24981800-2208-C1CF-708E-9D537589B854}"/>
+                <a16:creationId xmlns:a16="http://schemas.microsoft.com/office/drawing/2014/main" id="{7A8B836A-6848-8A78-A532-9C46CD58B825}"/>
               </a:ext>
             </a:extLst>
           </p:cNvPr>
@@ -2992,7 +2992,7 @@
             </a:lvl1pPr>
           </a:lstStyle>
           <a:p>
-            <a:fld id="{1BA7A8BC-3BE5-4732-B0AC-E96D7144C3DB}" type="slidenum">
+            <a:fld id="{B19BD12B-9DC3-4A11-95E0-6DB84A519273}" type="slidenum">
               <a:rPr lang="zh-CN" altLang="en-US" smtClean="0"/>
               <a:t>‹#›</a:t>
             </a:fld>
@@ -3003,7 +3003,7 @@
     </p:spTree>
     <p:extLst>
       <p:ext uri="{BB962C8B-B14F-4D97-AF65-F5344CB8AC3E}">
-        <p14:creationId xmlns:p14="http://schemas.microsoft.com/office/powerpoint/2010/main" val="759045887"/>
+        <p14:creationId xmlns:p14="http://schemas.microsoft.com/office/powerpoint/2010/main" val="3536387680"/>
       </p:ext>
     </p:extLst>
   </p:cSld>
